--- a/채팅프로그램_강민성.pptx
+++ b/채팅프로그램_강민성.pptx
@@ -3463,7 +3463,9 @@
         </p:nvSpPr>
         <p:spPr/>
         <p:txBody>
-          <a:bodyPr/>
+          <a:bodyPr>
+            <a:normAutofit lnSpcReduction="10000"/>
+          </a:bodyPr>
           <a:lstStyle/>
           <a:p>
             <a:r>
@@ -3529,6 +3531,42 @@
             <a:r>
               <a:rPr lang="ko-KR" altLang="en-US" dirty="0"/>
               <a:t> 등</a:t>
+            </a:r>
+            <a:r>
+              <a:rPr lang="en-US" altLang="ko-KR" dirty="0"/>
+              <a:t>, </a:t>
+            </a:r>
+            <a:r>
+              <a:rPr lang="ko-KR" altLang="en-US" dirty="0"/>
+              <a:t>접속</a:t>
+            </a:r>
+            <a:r>
+              <a:rPr lang="en-US" altLang="ko-KR" dirty="0"/>
+              <a:t>, </a:t>
+            </a:r>
+            <a:r>
+              <a:rPr lang="ko-KR" altLang="en-US" dirty="0"/>
+              <a:t>로그아웃</a:t>
+            </a:r>
+            <a:r>
+              <a:rPr lang="en-US" altLang="ko-KR" dirty="0"/>
+              <a:t>, </a:t>
+            </a:r>
+            <a:r>
+              <a:rPr lang="ko-KR" altLang="en-US" dirty="0" err="1"/>
+              <a:t>채팅방입장</a:t>
+            </a:r>
+            <a:r>
+              <a:rPr lang="ko-KR" altLang="en-US" dirty="0"/>
+              <a:t> 등 </a:t>
+            </a:r>
+            <a:r>
+              <a:rPr lang="ko-KR" altLang="en-US" dirty="0" err="1"/>
+              <a:t>매커니즘</a:t>
+            </a:r>
+            <a:r>
+              <a:rPr lang="ko-KR" altLang="en-US" dirty="0"/>
+              <a:t> 설명</a:t>
             </a:r>
             <a:endParaRPr lang="en-US" altLang="ko-KR" dirty="0"/>
           </a:p>

--- a/채팅프로그램_강민성.pptx
+++ b/채팅프로그램_강민성.pptx
@@ -7,6 +7,7 @@
   <p:sldIdLst>
     <p:sldId id="256" r:id="rId2"/>
     <p:sldId id="257" r:id="rId3"/>
+    <p:sldId id="258" r:id="rId4"/>
   </p:sldIdLst>
   <p:sldSz cx="12192000" cy="6858000"/>
   <p:notesSz cx="6858000" cy="9144000"/>
@@ -260,7 +261,7 @@
           <a:p>
             <a:fld id="{5D4D7F0E-12CA-482D-A3C0-ECABC893A288}" type="datetimeFigureOut">
               <a:rPr lang="ko-KR" altLang="en-US" smtClean="0"/>
-              <a:t>2019-06-17</a:t>
+              <a:t>2019-06-18</a:t>
             </a:fld>
             <a:endParaRPr lang="ko-KR" altLang="en-US"/>
           </a:p>
@@ -458,7 +459,7 @@
           <a:p>
             <a:fld id="{5D4D7F0E-12CA-482D-A3C0-ECABC893A288}" type="datetimeFigureOut">
               <a:rPr lang="ko-KR" altLang="en-US" smtClean="0"/>
-              <a:t>2019-06-17</a:t>
+              <a:t>2019-06-18</a:t>
             </a:fld>
             <a:endParaRPr lang="ko-KR" altLang="en-US"/>
           </a:p>
@@ -666,7 +667,7 @@
           <a:p>
             <a:fld id="{5D4D7F0E-12CA-482D-A3C0-ECABC893A288}" type="datetimeFigureOut">
               <a:rPr lang="ko-KR" altLang="en-US" smtClean="0"/>
-              <a:t>2019-06-17</a:t>
+              <a:t>2019-06-18</a:t>
             </a:fld>
             <a:endParaRPr lang="ko-KR" altLang="en-US"/>
           </a:p>
@@ -864,7 +865,7 @@
           <a:p>
             <a:fld id="{5D4D7F0E-12CA-482D-A3C0-ECABC893A288}" type="datetimeFigureOut">
               <a:rPr lang="ko-KR" altLang="en-US" smtClean="0"/>
-              <a:t>2019-06-17</a:t>
+              <a:t>2019-06-18</a:t>
             </a:fld>
             <a:endParaRPr lang="ko-KR" altLang="en-US"/>
           </a:p>
@@ -1139,7 +1140,7 @@
           <a:p>
             <a:fld id="{5D4D7F0E-12CA-482D-A3C0-ECABC893A288}" type="datetimeFigureOut">
               <a:rPr lang="ko-KR" altLang="en-US" smtClean="0"/>
-              <a:t>2019-06-17</a:t>
+              <a:t>2019-06-18</a:t>
             </a:fld>
             <a:endParaRPr lang="ko-KR" altLang="en-US"/>
           </a:p>
@@ -1404,7 +1405,7 @@
           <a:p>
             <a:fld id="{5D4D7F0E-12CA-482D-A3C0-ECABC893A288}" type="datetimeFigureOut">
               <a:rPr lang="ko-KR" altLang="en-US" smtClean="0"/>
-              <a:t>2019-06-17</a:t>
+              <a:t>2019-06-18</a:t>
             </a:fld>
             <a:endParaRPr lang="ko-KR" altLang="en-US"/>
           </a:p>
@@ -1816,7 +1817,7 @@
           <a:p>
             <a:fld id="{5D4D7F0E-12CA-482D-A3C0-ECABC893A288}" type="datetimeFigureOut">
               <a:rPr lang="ko-KR" altLang="en-US" smtClean="0"/>
-              <a:t>2019-06-17</a:t>
+              <a:t>2019-06-18</a:t>
             </a:fld>
             <a:endParaRPr lang="ko-KR" altLang="en-US"/>
           </a:p>
@@ -1957,7 +1958,7 @@
           <a:p>
             <a:fld id="{5D4D7F0E-12CA-482D-A3C0-ECABC893A288}" type="datetimeFigureOut">
               <a:rPr lang="ko-KR" altLang="en-US" smtClean="0"/>
-              <a:t>2019-06-17</a:t>
+              <a:t>2019-06-18</a:t>
             </a:fld>
             <a:endParaRPr lang="ko-KR" altLang="en-US"/>
           </a:p>
@@ -2070,7 +2071,7 @@
           <a:p>
             <a:fld id="{5D4D7F0E-12CA-482D-A3C0-ECABC893A288}" type="datetimeFigureOut">
               <a:rPr lang="ko-KR" altLang="en-US" smtClean="0"/>
-              <a:t>2019-06-17</a:t>
+              <a:t>2019-06-18</a:t>
             </a:fld>
             <a:endParaRPr lang="ko-KR" altLang="en-US"/>
           </a:p>
@@ -2381,7 +2382,7 @@
           <a:p>
             <a:fld id="{5D4D7F0E-12CA-482D-A3C0-ECABC893A288}" type="datetimeFigureOut">
               <a:rPr lang="ko-KR" altLang="en-US" smtClean="0"/>
-              <a:t>2019-06-17</a:t>
+              <a:t>2019-06-18</a:t>
             </a:fld>
             <a:endParaRPr lang="ko-KR" altLang="en-US"/>
           </a:p>
@@ -2669,7 +2670,7 @@
           <a:p>
             <a:fld id="{5D4D7F0E-12CA-482D-A3C0-ECABC893A288}" type="datetimeFigureOut">
               <a:rPr lang="ko-KR" altLang="en-US" smtClean="0"/>
-              <a:t>2019-06-17</a:t>
+              <a:t>2019-06-18</a:t>
             </a:fld>
             <a:endParaRPr lang="ko-KR" altLang="en-US"/>
           </a:p>
@@ -2910,7 +2911,7 @@
           <a:p>
             <a:fld id="{5D4D7F0E-12CA-482D-A3C0-ECABC893A288}" type="datetimeFigureOut">
               <a:rPr lang="ko-KR" altLang="en-US" smtClean="0"/>
-              <a:t>2019-06-17</a:t>
+              <a:t>2019-06-18</a:t>
             </a:fld>
             <a:endParaRPr lang="ko-KR" altLang="en-US"/>
           </a:p>
@@ -3736,6 +3737,89 @@
 </p:sld>
 </file>
 
+<file path=ppt/slides/slide3.xml><?xml version="1.0" encoding="utf-8"?>
+<p:sld xmlns:a="http://schemas.openxmlformats.org/drawingml/2006/main" xmlns:r="http://schemas.openxmlformats.org/officeDocument/2006/relationships" xmlns:p="http://schemas.openxmlformats.org/presentationml/2006/main">
+  <p:cSld>
+    <p:spTree>
+      <p:nvGrpSpPr>
+        <p:cNvPr id="1" name=""/>
+        <p:cNvGrpSpPr/>
+        <p:nvPr/>
+      </p:nvGrpSpPr>
+      <p:grpSpPr>
+        <a:xfrm>
+          <a:off x="0" y="0"/>
+          <a:ext cx="0" cy="0"/>
+          <a:chOff x="0" y="0"/>
+          <a:chExt cx="0" cy="0"/>
+        </a:xfrm>
+      </p:grpSpPr>
+      <p:sp>
+        <p:nvSpPr>
+          <p:cNvPr id="2" name="제목 1">
+            <a:extLst>
+              <a:ext uri="{FF2B5EF4-FFF2-40B4-BE49-F238E27FC236}">
+                <a16:creationId xmlns:a16="http://schemas.microsoft.com/office/drawing/2014/main" id="{B6FD5D0B-4C49-4628-AFF3-C9370BBD4C1F}"/>
+              </a:ext>
+            </a:extLst>
+          </p:cNvPr>
+          <p:cNvSpPr>
+            <a:spLocks noGrp="1"/>
+          </p:cNvSpPr>
+          <p:nvPr>
+            <p:ph type="title"/>
+          </p:nvPr>
+        </p:nvSpPr>
+        <p:spPr/>
+        <p:txBody>
+          <a:bodyPr/>
+          <a:lstStyle/>
+          <a:p>
+            <a:r>
+              <a:rPr lang="ko-KR" altLang="en-US" dirty="0"/>
+              <a:t>프로그램의 전체적인 동작</a:t>
+            </a:r>
+          </a:p>
+        </p:txBody>
+      </p:sp>
+      <p:sp>
+        <p:nvSpPr>
+          <p:cNvPr id="5" name="내용 개체 틀 4">
+            <a:extLst>
+              <a:ext uri="{FF2B5EF4-FFF2-40B4-BE49-F238E27FC236}">
+                <a16:creationId xmlns:a16="http://schemas.microsoft.com/office/drawing/2014/main" id="{FFBDA2A7-0F1A-41A6-9340-E1DDB95FB767}"/>
+              </a:ext>
+            </a:extLst>
+          </p:cNvPr>
+          <p:cNvSpPr>
+            <a:spLocks noGrp="1"/>
+          </p:cNvSpPr>
+          <p:nvPr>
+            <p:ph idx="1"/>
+          </p:nvPr>
+        </p:nvSpPr>
+        <p:spPr/>
+        <p:txBody>
+          <a:bodyPr/>
+          <a:lstStyle/>
+          <a:p>
+            <a:endParaRPr lang="ko-KR" altLang="en-US"/>
+          </a:p>
+        </p:txBody>
+      </p:sp>
+    </p:spTree>
+    <p:extLst>
+      <p:ext uri="{BB962C8B-B14F-4D97-AF65-F5344CB8AC3E}">
+        <p14:creationId xmlns:p14="http://schemas.microsoft.com/office/powerpoint/2010/main" val="2166534660"/>
+      </p:ext>
+    </p:extLst>
+  </p:cSld>
+  <p:clrMapOvr>
+    <a:masterClrMapping/>
+  </p:clrMapOvr>
+</p:sld>
+</file>
+
 <file path=ppt/theme/theme1.xml><?xml version="1.0" encoding="utf-8"?>
 <a:theme xmlns:a="http://schemas.openxmlformats.org/drawingml/2006/main" name="Office 테마">
   <a:themeElements>

--- a/채팅프로그램_강민성.pptx
+++ b/채팅프로그램_강민성.pptx
@@ -6040,6 +6040,13 @@
               <a:ea typeface="나눔스퀘어라운드 Bold" panose="020B0600000101010101" pitchFamily="50" charset="-127"/>
             </a:rPr>
             <a:t>메인페이지에서</a:t>
+          </a:r>
+          <a:r>
+            <a:rPr lang="ko-KR" altLang="en-US" dirty="0" err="1">
+              <a:latin typeface="나눔스퀘어라운드 Bold" panose="020B0600000101010101" pitchFamily="50" charset="-127"/>
+              <a:ea typeface="나눔스퀘어라운드 Bold" panose="020B0600000101010101" pitchFamily="50" charset="-127"/>
+            </a:rPr>
+            <a:t>만</a:t>
           </a:r>
           <a:r>
             <a:rPr lang="ko-KR" dirty="0">
@@ -9451,6 +9458,13 @@
               <a:ea typeface="나눔스퀘어라운드 Bold" panose="020B0600000101010101" pitchFamily="50" charset="-127"/>
             </a:rPr>
             <a:t>메인페이지에서</a:t>
+          </a:r>
+          <a:r>
+            <a:rPr lang="ko-KR" altLang="en-US" sz="1500" kern="1200" dirty="0" err="1">
+              <a:latin typeface="나눔스퀘어라운드 Bold" panose="020B0600000101010101" pitchFamily="50" charset="-127"/>
+              <a:ea typeface="나눔스퀘어라운드 Bold" panose="020B0600000101010101" pitchFamily="50" charset="-127"/>
+            </a:rPr>
+            <a:t>만</a:t>
           </a:r>
           <a:r>
             <a:rPr lang="ko-KR" sz="1500" kern="1200" dirty="0">
@@ -22568,7 +22582,7 @@
             <p:ph idx="1"/>
             <p:extLst>
               <p:ext uri="{D42A27DB-BD31-4B8C-83A1-F6EECF244321}">
-                <p14:modId xmlns:p14="http://schemas.microsoft.com/office/powerpoint/2010/main" val="1119564026"/>
+                <p14:modId xmlns:p14="http://schemas.microsoft.com/office/powerpoint/2010/main" val="3630783443"/>
               </p:ext>
             </p:extLst>
           </p:nvPr>
